--- a/PPTs/Lecture 0 - Course Overview.pptx
+++ b/PPTs/Lecture 0 - Course Overview.pptx
@@ -131,12 +131,20 @@
 </p:presentation>
 </file>
 
+<file path=ppt/revisionInfo.xml><?xml version="1.0" encoding="utf-8"?>
+<p1510:revInfo xmlns:a="http://schemas.openxmlformats.org/drawingml/2006/main" xmlns:r="http://schemas.openxmlformats.org/officeDocument/2006/relationships" xmlns:p1510="http://schemas.microsoft.com/office/powerpoint/2015/10/main">
+  <p1510:revLst>
+    <p1510:client id="{B8300592-E8BD-4EEB-B382-9E8D2193D28A}" v="4" dt="2025-12-31T21:13:12.366"/>
+  </p1510:revLst>
+</p1510:revInfo>
+</file>
+
 <file path=ppt/changesInfos/changesInfo1.xml><?xml version="1.0" encoding="utf-8"?>
 <pc:chgInfo xmlns:a="http://schemas.openxmlformats.org/drawingml/2006/main" xmlns:r="http://schemas.openxmlformats.org/officeDocument/2006/relationships" xmlns:ac="http://schemas.microsoft.com/office/drawing/2013/main/command" xmlns:pc="http://schemas.microsoft.com/office/powerpoint/2013/main/command">
   <pc:docChgLst>
     <pc:chgData name="Zonghua Gu" userId="9a7e1853e1951ef5" providerId="LiveId" clId="{CF1FAA12-072C-4ED5-BA76-0FFFAEFDB88A}"/>
     <pc:docChg chg="undo redo custSel addSld delSld modSld">
-      <pc:chgData name="Zonghua Gu" userId="9a7e1853e1951ef5" providerId="LiveId" clId="{CF1FAA12-072C-4ED5-BA76-0FFFAEFDB88A}" dt="2025-12-31T12:39:39.551" v="422" actId="20577"/>
+      <pc:chgData name="Zonghua Gu" userId="9a7e1853e1951ef5" providerId="LiveId" clId="{CF1FAA12-072C-4ED5-BA76-0FFFAEFDB88A}" dt="2025-12-31T21:31:54.317" v="441" actId="3626"/>
       <pc:docMkLst>
         <pc:docMk/>
       </pc:docMkLst>
@@ -169,6 +177,29 @@
             <ac:spMk id="3" creationId="{00000000-0000-0000-0000-000000000000}"/>
           </ac:spMkLst>
         </pc:spChg>
+      </pc:sldChg>
+      <pc:sldChg chg="modSp mod">
+        <pc:chgData name="Zonghua Gu" userId="9a7e1853e1951ef5" providerId="LiveId" clId="{CF1FAA12-072C-4ED5-BA76-0FFFAEFDB88A}" dt="2025-12-31T21:31:54.317" v="441" actId="3626"/>
+        <pc:sldMkLst>
+          <pc:docMk/>
+          <pc:sldMk cId="178653079" sldId="265"/>
+        </pc:sldMkLst>
+        <pc:spChg chg="mod">
+          <ac:chgData name="Zonghua Gu" userId="9a7e1853e1951ef5" providerId="LiveId" clId="{CF1FAA12-072C-4ED5-BA76-0FFFAEFDB88A}" dt="2025-12-31T21:31:54.317" v="441" actId="3626"/>
+          <ac:spMkLst>
+            <pc:docMk/>
+            <pc:sldMk cId="178653079" sldId="265"/>
+            <ac:spMk id="3" creationId="{4C753F46-04DC-0E7F-B563-1C508D6328EA}"/>
+          </ac:spMkLst>
+        </pc:spChg>
+        <pc:picChg chg="mod ord">
+          <ac:chgData name="Zonghua Gu" userId="9a7e1853e1951ef5" providerId="LiveId" clId="{CF1FAA12-072C-4ED5-BA76-0FFFAEFDB88A}" dt="2025-12-31T21:17:15.316" v="440" actId="167"/>
+          <ac:picMkLst>
+            <pc:docMk/>
+            <pc:sldMk cId="178653079" sldId="265"/>
+            <ac:picMk id="5" creationId="{122FF239-C044-6FCC-5BDA-2F4EFCBFF074}"/>
+          </ac:picMkLst>
+        </pc:picChg>
       </pc:sldChg>
     </pc:docChg>
   </pc:docChgLst>
@@ -4228,140 +4259,6 @@
           <a:chExt cx="0" cy="0"/>
         </a:xfrm>
       </p:grpSpPr>
-      <p:sp>
-        <p:nvSpPr>
-          <p:cNvPr id="2" name="Title 1">
-            <a:extLst>
-              <a:ext uri="{FF2B5EF4-FFF2-40B4-BE49-F238E27FC236}">
-                <a16:creationId xmlns:a16="http://schemas.microsoft.com/office/drawing/2014/main" id="{EA10DB64-B245-D46D-B4A0-7B8C92A75D16}"/>
-              </a:ext>
-            </a:extLst>
-          </p:cNvPr>
-          <p:cNvSpPr>
-            <a:spLocks noGrp="1"/>
-          </p:cNvSpPr>
-          <p:nvPr>
-            <p:ph type="title"/>
-          </p:nvPr>
-        </p:nvSpPr>
-        <p:spPr/>
-        <p:txBody>
-          <a:bodyPr/>
-          <a:lstStyle/>
-          <a:p>
-            <a:r>
-              <a:rPr lang="en-GB" dirty="0"/>
-              <a:t>Discord Channel and Feedback Form</a:t>
-            </a:r>
-            <a:endParaRPr lang="en-SE" dirty="0"/>
-          </a:p>
-        </p:txBody>
-      </p:sp>
-      <p:sp>
-        <p:nvSpPr>
-          <p:cNvPr id="3" name="Content Placeholder 2">
-            <a:extLst>
-              <a:ext uri="{FF2B5EF4-FFF2-40B4-BE49-F238E27FC236}">
-                <a16:creationId xmlns:a16="http://schemas.microsoft.com/office/drawing/2014/main" id="{4C753F46-04DC-0E7F-B563-1C508D6328EA}"/>
-              </a:ext>
-            </a:extLst>
-          </p:cNvPr>
-          <p:cNvSpPr>
-            <a:spLocks noGrp="1"/>
-          </p:cNvSpPr>
-          <p:nvPr>
-            <p:ph idx="1"/>
-          </p:nvPr>
-        </p:nvSpPr>
-        <p:spPr>
-          <a:xfrm>
-            <a:off x="457201" y="1600200"/>
-            <a:ext cx="5199806" cy="4525963"/>
-          </a:xfrm>
-        </p:spPr>
-        <p:txBody>
-          <a:bodyPr/>
-          <a:lstStyle/>
-          <a:p>
-            <a:r>
-              <a:rPr lang="en-GB" dirty="0"/>
-              <a:t>Join the Discord channel: </a:t>
-            </a:r>
-            <a:r>
-              <a:rPr lang="en-GB" dirty="0">
-                <a:hlinkClick r:id="rId2"/>
-              </a:rPr>
-              <a:t>https://discord.gg/wEP6dhGqS8</a:t>
-            </a:r>
-            <a:r>
-              <a:rPr lang="en-GB" dirty="0"/>
-              <a:t> </a:t>
-            </a:r>
-          </a:p>
-          <a:p>
-            <a:pPr lvl="1"/>
-            <a:r>
-              <a:rPr lang="en-US" altLang="zh-CN" dirty="0"/>
-              <a:t>IMPORTANT! </a:t>
-            </a:r>
-            <a:r>
-              <a:rPr lang="en-GB" dirty="0"/>
-              <a:t>Used for all announcements and online Q&amp;A</a:t>
-            </a:r>
-          </a:p>
-          <a:p>
-            <a:r>
-              <a:rPr lang="en-GB" dirty="0"/>
-              <a:t>Course tutor</a:t>
-            </a:r>
-          </a:p>
-          <a:p>
-            <a:pPr lvl="1"/>
-            <a:r>
-              <a:rPr lang="en-US" altLang="zh-CN" dirty="0"/>
-              <a:t>Samson Mathew </a:t>
-            </a:r>
-            <a:r>
-              <a:rPr lang="en-US" altLang="zh-CN" dirty="0">
-                <a:hlinkClick r:id="rId3"/>
-              </a:rPr>
-              <a:t>smathew5@pride.hofstra.edu</a:t>
-            </a:r>
-            <a:endParaRPr lang="en-US" altLang="zh-CN" dirty="0"/>
-          </a:p>
-          <a:p>
-            <a:pPr lvl="1"/>
-            <a:r>
-              <a:rPr lang="en-GB" dirty="0"/>
-              <a:t>Available on discord and on</a:t>
-            </a:r>
-            <a:r>
-              <a:rPr lang="en-US" dirty="0"/>
-              <a:t>-demand ZOOM meetings</a:t>
-            </a:r>
-            <a:endParaRPr lang="en-GB" dirty="0"/>
-          </a:p>
-          <a:p>
-            <a:r>
-              <a:rPr lang="en-GB" dirty="0"/>
-              <a:t>Use the </a:t>
-            </a:r>
-            <a:r>
-              <a:rPr lang="en-GB" dirty="0">
-                <a:hlinkClick r:id="rId4"/>
-              </a:rPr>
-              <a:t>anonymous feedback form </a:t>
-            </a:r>
-            <a:r>
-              <a:rPr lang="en-GB" dirty="0"/>
-              <a:t>anytime to provide your comments and suggestions for me.</a:t>
-            </a:r>
-          </a:p>
-          <a:p>
-            <a:endParaRPr lang="en-SE" dirty="0"/>
-          </a:p>
-        </p:txBody>
-      </p:sp>
       <p:pic>
         <p:nvPicPr>
           <p:cNvPr id="5" name="Picture 4">
@@ -4377,21 +4274,124 @@
           <p:nvPr/>
         </p:nvPicPr>
         <p:blipFill>
-          <a:blip r:embed="rId5"/>
-          <a:stretch>
-            <a:fillRect/>
-          </a:stretch>
+          <a:blip r:embed="rId2"/>
+          <a:srcRect/>
+          <a:stretch/>
         </p:blipFill>
         <p:spPr>
           <a:xfrm>
-            <a:off x="5509522" y="2139058"/>
-            <a:ext cx="3277057" cy="3248478"/>
+            <a:off x="5523811" y="2050568"/>
+            <a:ext cx="3502202" cy="3502202"/>
           </a:xfrm>
           <a:prstGeom prst="rect">
             <a:avLst/>
           </a:prstGeom>
         </p:spPr>
       </p:pic>
+      <p:sp>
+        <p:nvSpPr>
+          <p:cNvPr id="2" name="Title 1">
+            <a:extLst>
+              <a:ext uri="{FF2B5EF4-FFF2-40B4-BE49-F238E27FC236}">
+                <a16:creationId xmlns:a16="http://schemas.microsoft.com/office/drawing/2014/main" id="{EA10DB64-B245-D46D-B4A0-7B8C92A75D16}"/>
+              </a:ext>
+            </a:extLst>
+          </p:cNvPr>
+          <p:cNvSpPr>
+            <a:spLocks noGrp="1"/>
+          </p:cNvSpPr>
+          <p:nvPr>
+            <p:ph type="title"/>
+          </p:nvPr>
+        </p:nvSpPr>
+        <p:spPr/>
+        <p:txBody>
+          <a:bodyPr/>
+          <a:lstStyle/>
+          <a:p>
+            <a:r>
+              <a:rPr lang="en-GB" dirty="0"/>
+              <a:t>Discord Channel and Feedback Form</a:t>
+            </a:r>
+            <a:endParaRPr lang="en-SE" dirty="0"/>
+          </a:p>
+        </p:txBody>
+      </p:sp>
+      <p:sp>
+        <p:nvSpPr>
+          <p:cNvPr id="3" name="Content Placeholder 2">
+            <a:extLst>
+              <a:ext uri="{FF2B5EF4-FFF2-40B4-BE49-F238E27FC236}">
+                <a16:creationId xmlns:a16="http://schemas.microsoft.com/office/drawing/2014/main" id="{4C753F46-04DC-0E7F-B563-1C508D6328EA}"/>
+              </a:ext>
+            </a:extLst>
+          </p:cNvPr>
+          <p:cNvSpPr>
+            <a:spLocks noGrp="1"/>
+          </p:cNvSpPr>
+          <p:nvPr>
+            <p:ph idx="1"/>
+          </p:nvPr>
+        </p:nvSpPr>
+        <p:spPr>
+          <a:xfrm>
+            <a:off x="457200" y="1600200"/>
+            <a:ext cx="5275005" cy="4525963"/>
+          </a:xfrm>
+        </p:spPr>
+        <p:txBody>
+          <a:bodyPr>
+            <a:normAutofit/>
+          </a:bodyPr>
+          <a:lstStyle/>
+          <a:p>
+            <a:r>
+              <a:rPr lang="en-GB" dirty="0"/>
+              <a:t>Join the Discord channel: </a:t>
+            </a:r>
+            <a:r>
+              <a:rPr lang="en-GB" dirty="0">
+                <a:hlinkClick r:id="rId3"/>
+              </a:rPr>
+              <a:t>https://discord.com/invite/rhgjASZc67</a:t>
+            </a:r>
+            <a:endParaRPr lang="en-GB" dirty="0"/>
+          </a:p>
+          <a:p>
+            <a:pPr lvl="1"/>
+            <a:r>
+              <a:rPr lang="en-US" altLang="zh-CN" dirty="0"/>
+              <a:t>IMPORTANT! </a:t>
+            </a:r>
+            <a:r>
+              <a:rPr lang="en-GB" dirty="0"/>
+              <a:t>Used for all announcements and online Q&amp;A</a:t>
+            </a:r>
+          </a:p>
+          <a:p>
+            <a:r>
+              <a:rPr lang="en-GB" dirty="0"/>
+              <a:t>Course tutor</a:t>
+            </a:r>
+          </a:p>
+          <a:p>
+            <a:pPr lvl="1"/>
+            <a:r>
+              <a:rPr lang="en-US" altLang="zh-CN" dirty="0"/>
+              <a:t>TODO</a:t>
+            </a:r>
+          </a:p>
+          <a:p>
+            <a:r>
+              <a:rPr lang="en-GB" dirty="0"/>
+              <a:t>Use the anonymous feedback form anytime to provide your comments and suggestions for me.</a:t>
+            </a:r>
+          </a:p>
+          <a:p>
+            <a:endParaRPr lang="en-SE" dirty="0"/>
+          </a:p>
+        </p:txBody>
+      </p:sp>
     </p:spTree>
     <p:extLst>
       <p:ext uri="{BB962C8B-B14F-4D97-AF65-F5344CB8AC3E}">
